--- a/Lecture_Slides/recordings_thumbnail.pptx
+++ b/Lecture_Slides/recordings_thumbnail.pptx
@@ -262,6 +262,11 @@
         <p15:guide id="1" pos="340" userDrawn="1">
           <p15:clr>
             <a:srgbClr val="9AA0A6"/>
+          </p15:clr>
+        </p15:guide>
+        <p15:guide id="2" orient="horz" pos="1620">
+          <p15:clr>
+            <a:srgbClr val="A4A3A4"/>
           </p15:clr>
         </p15:guide>
       </p15:sldGuideLst>
@@ -3948,7 +3953,7 @@
           <a:p>
             <a:r>
               <a:rPr lang="en-US" dirty="0"/>
-              <a:t>Probability Fall 2021</a:t>
+              <a:t>Sem.1: Probability &amp; Counting</a:t>
             </a:r>
             <a:endParaRPr dirty="0"/>
           </a:p>
@@ -3981,12 +3986,8 @@
           <a:p>
             <a:pPr marL="0" indent="0"/>
             <a:r>
-              <a:rPr lang="en-US" b="1" dirty="0">
-                <a:solidFill>
-                  <a:schemeClr val="tx1"/>
-                </a:solidFill>
-              </a:rPr>
-              <a:t>Lecture 1: Probability and counting</a:t>
+              <a:rPr lang="en-US" dirty="0"/>
+              <a:t>MSAI Probability Fall 2021</a:t>
             </a:r>
             <a:endParaRPr b="1" dirty="0">
               <a:solidFill>

--- a/Lecture_Slides/recordings_thumbnail.pptx
+++ b/Lecture_Slides/recordings_thumbnail.pptx
@@ -3952,10 +3952,10 @@
           <a:lstStyle/>
           <a:p>
             <a:r>
-              <a:rPr lang="en-US" dirty="0"/>
-              <a:t>Sem.1: Probability &amp; Counting</a:t>
+              <a:rPr lang="en-US" sz="4000" dirty="0"/>
+              <a:t>Lec.2: Probability &amp; Counting-2</a:t>
             </a:r>
-            <a:endParaRPr dirty="0"/>
+            <a:endParaRPr sz="4000" dirty="0"/>
           </a:p>
         </p:txBody>
       </p:sp>

--- a/Lecture_Slides/recordings_thumbnail.pptx
+++ b/Lecture_Slides/recordings_thumbnail.pptx
@@ -3953,7 +3953,7 @@
           <a:p>
             <a:r>
               <a:rPr lang="en-US" sz="4000" dirty="0"/>
-              <a:t>Lec.2: Probability &amp; Counting-2</a:t>
+              <a:t>Lec.3: Conditional Probability</a:t>
             </a:r>
             <a:endParaRPr sz="4000" dirty="0"/>
           </a:p>

--- a/Lecture_Slides/recordings_thumbnail.pptx
+++ b/Lecture_Slides/recordings_thumbnail.pptx
@@ -3938,8 +3938,8 @@
         </p:nvSpPr>
         <p:spPr>
           <a:xfrm>
-            <a:off x="311700" y="445025"/>
-            <a:ext cx="8640000" cy="834600"/>
+            <a:off x="311699" y="445025"/>
+            <a:ext cx="8793785" cy="834600"/>
           </a:xfrm>
           <a:prstGeom prst="rect">
             <a:avLst/>
@@ -3953,7 +3953,7 @@
           <a:p>
             <a:r>
               <a:rPr lang="en-US" sz="4000" dirty="0"/>
-              <a:t>Lec.3: Conditional Probability</a:t>
+              <a:t>Sem.2: Probability &amp; Counting-2</a:t>
             </a:r>
             <a:endParaRPr sz="4000" dirty="0"/>
           </a:p>

--- a/Lecture_Slides/recordings_thumbnail.pptx
+++ b/Lecture_Slides/recordings_thumbnail.pptx
@@ -3953,7 +3953,7 @@
           <a:p>
             <a:r>
               <a:rPr lang="en-US" sz="4000" dirty="0"/>
-              <a:t>Sem.2: Probability &amp; Counting-2</a:t>
+              <a:t>Sem.3: Conditional Probability</a:t>
             </a:r>
             <a:endParaRPr sz="4000" dirty="0"/>
           </a:p>

--- a/Lecture_Slides/recordings_thumbnail.pptx
+++ b/Lecture_Slides/recordings_thumbnail.pptx
@@ -3953,7 +3953,7 @@
           <a:p>
             <a:r>
               <a:rPr lang="en-US" sz="4000" dirty="0"/>
-              <a:t>Sem.3: Conditional Probability</a:t>
+              <a:t>Lec.5: Random Variables &amp; Their Distributions – 2</a:t>
             </a:r>
             <a:endParaRPr sz="4000" dirty="0"/>
           </a:p>
@@ -3971,7 +3971,7 @@
         </p:nvSpPr>
         <p:spPr>
           <a:xfrm>
-            <a:off x="311700" y="1397151"/>
+            <a:off x="311700" y="1645881"/>
             <a:ext cx="6472800" cy="599700"/>
           </a:xfrm>
           <a:prstGeom prst="rect">

--- a/Lecture_Slides/recordings_thumbnail.pptx
+++ b/Lecture_Slides/recordings_thumbnail.pptx
@@ -3953,7 +3953,7 @@
           <a:p>
             <a:r>
               <a:rPr lang="en-US" sz="4000" dirty="0"/>
-              <a:t>Lec.5: Random Variables &amp; Their Distributions – 2</a:t>
+              <a:t>Sem.4-5: Random Variables &amp; Their Distributions</a:t>
             </a:r>
             <a:endParaRPr sz="4000" dirty="0"/>
           </a:p>

--- a/Lecture_Slides/recordings_thumbnail.pptx
+++ b/Lecture_Slides/recordings_thumbnail.pptx
@@ -3953,7 +3953,7 @@
           <a:p>
             <a:r>
               <a:rPr lang="en-US" sz="4000" dirty="0"/>
-              <a:t>Sem.4-5: Random Variables &amp; Their Distributions</a:t>
+              <a:t>Lec.7: Continuous Random Variables</a:t>
             </a:r>
             <a:endParaRPr sz="4000" dirty="0"/>
           </a:p>

--- a/Lecture_Slides/recordings_thumbnail.pptx
+++ b/Lecture_Slides/recordings_thumbnail.pptx
@@ -3953,7 +3953,7 @@
           <a:p>
             <a:r>
               <a:rPr lang="en-US" sz="4000" dirty="0"/>
-              <a:t>Lec.7: Continuous Random Variables</a:t>
+              <a:t>Sem.6: Expectation</a:t>
             </a:r>
             <a:endParaRPr sz="4000" dirty="0"/>
           </a:p>
